--- a/DossierPresentation/Présentation.pptx
+++ b/DossierPresentation/Présentation.pptx
@@ -5,7 +5,7 @@
     <p:sldMasterId id="2147483648" r:id="rId1"/>
   </p:sldMasterIdLst>
   <p:notesMasterIdLst>
-    <p:notesMasterId r:id="rId13"/>
+    <p:notesMasterId r:id="rId12"/>
   </p:notesMasterIdLst>
   <p:sldIdLst>
     <p:sldId id="256" r:id="rId2"/>
@@ -17,8 +17,7 @@
     <p:sldId id="264" r:id="rId8"/>
     <p:sldId id="261" r:id="rId9"/>
     <p:sldId id="265" r:id="rId10"/>
-    <p:sldId id="262" r:id="rId11"/>
-    <p:sldId id="266" r:id="rId12"/>
+    <p:sldId id="266" r:id="rId11"/>
   </p:sldIdLst>
   <p:sldSz cx="12192000" cy="6858000"/>
   <p:notesSz cx="6858000" cy="9144000"/>
@@ -117,6 +116,11 @@
       </a:defRPr>
     </a:lvl9pPr>
   </p:defaultTextStyle>
+  <p:extLst>
+    <p:ext uri="{EFAFB233-063F-42B5-8137-9DF3F51BA10A}">
+      <p15:sldGuideLst xmlns:p15="http://schemas.microsoft.com/office/powerpoint/2012/main"/>
+    </p:ext>
+  </p:extLst>
 </p:presentation>
 </file>
 
@@ -130,6 +134,10 @@
     </p:extLst>
   </p:cmAuthor>
 </p:cmAuthorLst>
+</file>
+
+<file path=ppt/revisionInfo.xml><?xml version="1.0" encoding="utf-8"?>
+<p1510:revInfo xmlns:a="http://schemas.openxmlformats.org/drawingml/2006/main" xmlns:r="http://schemas.openxmlformats.org/officeDocument/2006/relationships" xmlns:p1510="http://schemas.microsoft.com/office/powerpoint/2015/10/main"/>
 </file>
 
 <file path=ppt/notesMasters/notesMaster1.xml><?xml version="1.0" encoding="utf-8"?>
@@ -214,7 +222,7 @@
           <a:p>
             <a:fld id="{D8D6469D-CF2E-4753-807F-FBDEC5526CB0}" type="datetimeFigureOut">
               <a:rPr lang="fr-FR" smtClean="0"/>
-              <a:t>30/01/2018</a:t>
+              <a:t>31/01/2018</a:t>
             </a:fld>
             <a:endParaRPr lang="fr-FR"/>
           </a:p>
@@ -972,7 +980,7 @@
           <a:p>
             <a:fld id="{78ABE3C1-DBE1-495D-B57B-2849774B866A}" type="datetimeFigureOut">
               <a:rPr lang="en-US" dirty="0"/>
-              <a:t>1/30/2018</a:t>
+              <a:t>1/31/2018</a:t>
             </a:fld>
             <a:endParaRPr lang="en-US" dirty="0"/>
           </a:p>
@@ -1381,7 +1389,7 @@
           <a:p>
             <a:fld id="{446C117F-5CCF-4837-BE5F-2B92066CAFAF}" type="datetimeFigureOut">
               <a:rPr lang="en-US" dirty="0"/>
-              <a:t>1/30/2018</a:t>
+              <a:t>1/31/2018</a:t>
             </a:fld>
             <a:endParaRPr lang="en-US" dirty="0"/>
           </a:p>
@@ -1712,7 +1720,7 @@
           <a:p>
             <a:fld id="{84EB90BD-B6CE-46B7-997F-7313B992CCDC}" type="datetimeFigureOut">
               <a:rPr lang="en-US" dirty="0"/>
-              <a:t>1/30/2018</a:t>
+              <a:t>1/31/2018</a:t>
             </a:fld>
             <a:endParaRPr lang="en-US" dirty="0"/>
           </a:p>
@@ -2112,7 +2120,7 @@
           <a:p>
             <a:fld id="{CDB9D11F-B188-461D-B23F-39381795C052}" type="datetimeFigureOut">
               <a:rPr lang="en-US" dirty="0"/>
-              <a:t>1/30/2018</a:t>
+              <a:t>1/31/2018</a:t>
             </a:fld>
             <a:endParaRPr lang="en-US" dirty="0"/>
           </a:p>
@@ -2675,7 +2683,7 @@
           <a:p>
             <a:fld id="{52E6D8D9-55A2-4063-B0F3-121F44549695}" type="datetimeFigureOut">
               <a:rPr lang="en-US" dirty="0"/>
-              <a:t>1/30/2018</a:t>
+              <a:t>1/31/2018</a:t>
             </a:fld>
             <a:endParaRPr lang="en-US" dirty="0"/>
           </a:p>
@@ -3351,7 +3359,7 @@
           <a:p>
             <a:fld id="{D4B24536-994D-4021-A283-9F449C0DB509}" type="datetimeFigureOut">
               <a:rPr lang="en-US" dirty="0"/>
-              <a:t>1/30/2018</a:t>
+              <a:t>1/31/2018</a:t>
             </a:fld>
             <a:endParaRPr lang="en-US" dirty="0"/>
           </a:p>
@@ -4259,7 +4267,7 @@
           <a:p>
             <a:fld id="{3CBBBB78-C96F-47B7-AB17-D852CA960AC9}" type="datetimeFigureOut">
               <a:rPr lang="en-US" dirty="0"/>
-              <a:t>1/30/2018</a:t>
+              <a:t>1/31/2018</a:t>
             </a:fld>
             <a:endParaRPr lang="en-US" dirty="0"/>
           </a:p>
@@ -4567,7 +4575,7 @@
           <a:p>
             <a:fld id="{1FA3F48C-C7C6-4055-9F49-3777875E72AE}" type="datetimeFigureOut">
               <a:rPr lang="en-US" dirty="0"/>
-              <a:t>1/30/2018</a:t>
+              <a:t>1/31/2018</a:t>
             </a:fld>
             <a:endParaRPr lang="en-US" dirty="0"/>
           </a:p>
@@ -4826,7 +4834,7 @@
           <a:p>
             <a:fld id="{6178E61D-D431-422C-9764-11DAFE33AB63}" type="datetimeFigureOut">
               <a:rPr lang="en-US" dirty="0"/>
-              <a:t>1/30/2018</a:t>
+              <a:t>1/31/2018</a:t>
             </a:fld>
             <a:endParaRPr lang="en-US" dirty="0"/>
           </a:p>
@@ -5145,7 +5153,7 @@
           <a:p>
             <a:fld id="{12DE42F4-6EEF-4EF7-8ED4-2208F0F89A08}" type="datetimeFigureOut">
               <a:rPr lang="en-US" dirty="0"/>
-              <a:t>1/30/2018</a:t>
+              <a:t>1/31/2018</a:t>
             </a:fld>
             <a:endParaRPr lang="en-US" dirty="0"/>
           </a:p>
@@ -5529,7 +5537,7 @@
           <a:p>
             <a:fld id="{30578ACC-22D6-47C1-A373-4FD133E34F3C}" type="datetimeFigureOut">
               <a:rPr lang="en-US" dirty="0"/>
-              <a:t>1/30/2018</a:t>
+              <a:t>1/31/2018</a:t>
             </a:fld>
             <a:endParaRPr lang="en-US" dirty="0"/>
           </a:p>
@@ -5900,7 +5908,7 @@
           <a:p>
             <a:fld id="{4E5A6C69-6797-4E8A-BF37-F2C3751466E9}" type="datetimeFigureOut">
               <a:rPr lang="en-US" dirty="0"/>
-              <a:t>1/30/2018</a:t>
+              <a:t>1/31/2018</a:t>
             </a:fld>
             <a:endParaRPr lang="en-US" dirty="0"/>
           </a:p>
@@ -6401,7 +6409,7 @@
           <a:p>
             <a:fld id="{D82014A1-A632-4878-A0D3-F52BA7563730}" type="datetimeFigureOut">
               <a:rPr lang="en-US" dirty="0"/>
-              <a:t>1/30/2018</a:t>
+              <a:t>1/31/2018</a:t>
             </a:fld>
             <a:endParaRPr lang="en-US" dirty="0"/>
           </a:p>
@@ -6653,7 +6661,7 @@
           <a:p>
             <a:fld id="{CE99F462-093F-4566-844B-4C71F2739DA5}" type="datetimeFigureOut">
               <a:rPr lang="en-US" dirty="0"/>
-              <a:t>1/30/2018</a:t>
+              <a:t>1/31/2018</a:t>
             </a:fld>
             <a:endParaRPr lang="en-US" dirty="0"/>
           </a:p>
@@ -6811,7 +6819,7 @@
           <a:p>
             <a:fld id="{3D24A7AC-904D-4781-85BA-7D10C17ED021}" type="datetimeFigureOut">
               <a:rPr lang="en-US" dirty="0"/>
-              <a:t>1/30/2018</a:t>
+              <a:t>1/31/2018</a:t>
             </a:fld>
             <a:endParaRPr lang="en-US" dirty="0"/>
           </a:p>
@@ -7196,7 +7204,7 @@
           <a:p>
             <a:fld id="{E331444B-B92B-4E27-8C94-BB93EAF5CB18}" type="datetimeFigureOut">
               <a:rPr lang="en-US" dirty="0"/>
-              <a:t>1/30/2018</a:t>
+              <a:t>1/31/2018</a:t>
             </a:fld>
             <a:endParaRPr lang="en-US" dirty="0"/>
           </a:p>
@@ -7600,7 +7608,7 @@
           <a:p>
             <a:fld id="{363EFA5E-FA76-400D-B3DC-F0BA90E6D107}" type="datetimeFigureOut">
               <a:rPr lang="en-US" dirty="0"/>
-              <a:t>1/30/2018</a:t>
+              <a:t>1/31/2018</a:t>
             </a:fld>
             <a:endParaRPr lang="en-US" dirty="0"/>
           </a:p>
@@ -7839,7 +7847,7 @@
           <a:p>
             <a:fld id="{9D6E9DEC-419B-4CC5-A080-3B06BD5A8291}" type="datetimeFigureOut">
               <a:rPr lang="en-US" dirty="0"/>
-              <a:t>1/30/2018</a:t>
+              <a:t>1/31/2018</a:t>
             </a:fld>
             <a:endParaRPr lang="en-US" dirty="0"/>
           </a:p>
@@ -8391,7 +8399,7 @@
           <a:p>
             <a:r>
               <a:rPr lang="fr-FR" dirty="0"/>
-              <a:t>Conclusion</a:t>
+              <a:t>Remerciements</a:t>
             </a:r>
           </a:p>
         </p:txBody>
@@ -8419,153 +8427,16 @@
           <a:p>
             <a:r>
               <a:rPr lang="fr-FR" dirty="0"/>
-              <a:t>Evolution du MCD :</a:t>
-            </a:r>
-          </a:p>
-          <a:p>
-            <a:pPr lvl="1"/>
+              <a:t>Merci au jury</a:t>
+            </a:r>
+          </a:p>
+          <a:p>
+            <a:endParaRPr lang="fr-FR" dirty="0"/>
+          </a:p>
+          <a:p>
             <a:r>
               <a:rPr lang="fr-FR" dirty="0"/>
-              <a:t>Type BOOL en INT</a:t>
-            </a:r>
-          </a:p>
-          <a:p>
-            <a:pPr lvl="1"/>
-            <a:r>
-              <a:rPr lang="fr-FR" dirty="0"/>
-              <a:t>Lien sondage aurait du être nommé : GUID</a:t>
-            </a:r>
-          </a:p>
-          <a:p>
-            <a:pPr lvl="1"/>
-            <a:endParaRPr lang="fr-FR" dirty="0"/>
-          </a:p>
-          <a:p>
-            <a:endParaRPr lang="fr-FR" dirty="0"/>
-          </a:p>
-        </p:txBody>
-      </p:sp>
-      <p:pic>
-        <p:nvPicPr>
-          <p:cNvPr id="4" name="Image 3">
-            <a:extLst>
-              <a:ext uri="{FF2B5EF4-FFF2-40B4-BE49-F238E27FC236}">
-                <a16:creationId xmlns:a16="http://schemas.microsoft.com/office/drawing/2014/main" id="{088178AF-A873-4BE0-8805-58DCCB9F8872}"/>
-              </a:ext>
-            </a:extLst>
-          </p:cNvPr>
-          <p:cNvPicPr>
-            <a:picLocks noChangeAspect="1"/>
-          </p:cNvPicPr>
-          <p:nvPr/>
-        </p:nvPicPr>
-        <p:blipFill>
-          <a:blip r:embed="rId2"/>
-          <a:stretch>
-            <a:fillRect/>
-          </a:stretch>
-        </p:blipFill>
-        <p:spPr>
-          <a:xfrm>
-            <a:off x="11016404" y="916513"/>
-            <a:ext cx="733599" cy="746033"/>
-          </a:xfrm>
-          <a:prstGeom prst="rect">
-            <a:avLst/>
-          </a:prstGeom>
-        </p:spPr>
-      </p:pic>
-    </p:spTree>
-    <p:extLst>
-      <p:ext uri="{BB962C8B-B14F-4D97-AF65-F5344CB8AC3E}">
-        <p14:creationId xmlns:p14="http://schemas.microsoft.com/office/powerpoint/2010/main" val="2408074027"/>
-      </p:ext>
-    </p:extLst>
-  </p:cSld>
-  <p:clrMapOvr>
-    <a:masterClrMapping/>
-  </p:clrMapOvr>
-</p:sld>
-</file>
-
-<file path=ppt/slides/slide11.xml><?xml version="1.0" encoding="utf-8"?>
-<p:sld xmlns:a="http://schemas.openxmlformats.org/drawingml/2006/main" xmlns:r="http://schemas.openxmlformats.org/officeDocument/2006/relationships" xmlns:p="http://schemas.openxmlformats.org/presentationml/2006/main">
-  <p:cSld>
-    <p:spTree>
-      <p:nvGrpSpPr>
-        <p:cNvPr id="1" name=""/>
-        <p:cNvGrpSpPr/>
-        <p:nvPr/>
-      </p:nvGrpSpPr>
-      <p:grpSpPr>
-        <a:xfrm>
-          <a:off x="0" y="0"/>
-          <a:ext cx="0" cy="0"/>
-          <a:chOff x="0" y="0"/>
-          <a:chExt cx="0" cy="0"/>
-        </a:xfrm>
-      </p:grpSpPr>
-      <p:sp>
-        <p:nvSpPr>
-          <p:cNvPr id="2" name="Titre 1">
-            <a:extLst>
-              <a:ext uri="{FF2B5EF4-FFF2-40B4-BE49-F238E27FC236}">
-                <a16:creationId xmlns:a16="http://schemas.microsoft.com/office/drawing/2014/main" id="{A538EEEF-48C8-4921-9071-FBDC47E8E74D}"/>
-              </a:ext>
-            </a:extLst>
-          </p:cNvPr>
-          <p:cNvSpPr>
-            <a:spLocks noGrp="1"/>
-          </p:cNvSpPr>
-          <p:nvPr>
-            <p:ph type="title"/>
-          </p:nvPr>
-        </p:nvSpPr>
-        <p:spPr/>
-        <p:txBody>
-          <a:bodyPr/>
-          <a:lstStyle/>
-          <a:p>
-            <a:r>
-              <a:rPr lang="fr-FR" dirty="0"/>
-              <a:t>Remerciements</a:t>
-            </a:r>
-          </a:p>
-        </p:txBody>
-      </p:sp>
-      <p:sp>
-        <p:nvSpPr>
-          <p:cNvPr id="3" name="Espace réservé du contenu 2">
-            <a:extLst>
-              <a:ext uri="{FF2B5EF4-FFF2-40B4-BE49-F238E27FC236}">
-                <a16:creationId xmlns:a16="http://schemas.microsoft.com/office/drawing/2014/main" id="{76350E02-908E-4E15-878F-D405C59F3FC7}"/>
-              </a:ext>
-            </a:extLst>
-          </p:cNvPr>
-          <p:cNvSpPr>
-            <a:spLocks noGrp="1"/>
-          </p:cNvSpPr>
-          <p:nvPr>
-            <p:ph idx="1"/>
-          </p:nvPr>
-        </p:nvSpPr>
-        <p:spPr/>
-        <p:txBody>
-          <a:bodyPr/>
-          <a:lstStyle/>
-          <a:p>
-            <a:r>
-              <a:rPr lang="fr-FR" dirty="0"/>
-              <a:t>Merci au jury</a:t>
-            </a:r>
-          </a:p>
-          <a:p>
-            <a:endParaRPr lang="fr-FR" dirty="0"/>
-          </a:p>
-          <a:p>
-            <a:r>
-              <a:rPr lang="fr-FR" dirty="0"/>
-              <a:t>Merci à l’entraide des groupes</a:t>
+              <a:t>Merci de l’entraide des groupes</a:t>
             </a:r>
           </a:p>
           <a:p>
@@ -9199,7 +9070,7 @@
             <a:pPr lvl="1"/>
             <a:r>
               <a:rPr lang="fr-FR" dirty="0"/>
-              <a:t>Créer un sondage</a:t>
+              <a:t>Création d’un sondage</a:t>
             </a:r>
           </a:p>
           <a:p>
@@ -9768,7 +9639,7 @@
           <a:p>
             <a:r>
               <a:rPr lang="fr-FR" dirty="0"/>
-              <a:t>Nous avons utilisés les technologies :</a:t>
+              <a:t>Nous avons utilisé les technologies :</a:t>
             </a:r>
           </a:p>
           <a:p>

--- a/DossierPresentation/Présentation.pptx
+++ b/DossierPresentation/Présentation.pptx
@@ -222,7 +222,7 @@
           <a:p>
             <a:fld id="{D8D6469D-CF2E-4753-807F-FBDEC5526CB0}" type="datetimeFigureOut">
               <a:rPr lang="fr-FR" smtClean="0"/>
-              <a:t>31/01/2018</a:t>
+              <a:t>04/02/2018</a:t>
             </a:fld>
             <a:endParaRPr lang="fr-FR"/>
           </a:p>
@@ -980,7 +980,7 @@
           <a:p>
             <a:fld id="{78ABE3C1-DBE1-495D-B57B-2849774B866A}" type="datetimeFigureOut">
               <a:rPr lang="en-US" dirty="0"/>
-              <a:t>1/31/2018</a:t>
+              <a:t>2/4/2018</a:t>
             </a:fld>
             <a:endParaRPr lang="en-US" dirty="0"/>
           </a:p>
@@ -1389,7 +1389,7 @@
           <a:p>
             <a:fld id="{446C117F-5CCF-4837-BE5F-2B92066CAFAF}" type="datetimeFigureOut">
               <a:rPr lang="en-US" dirty="0"/>
-              <a:t>1/31/2018</a:t>
+              <a:t>2/4/2018</a:t>
             </a:fld>
             <a:endParaRPr lang="en-US" dirty="0"/>
           </a:p>
@@ -1720,7 +1720,7 @@
           <a:p>
             <a:fld id="{84EB90BD-B6CE-46B7-997F-7313B992CCDC}" type="datetimeFigureOut">
               <a:rPr lang="en-US" dirty="0"/>
-              <a:t>1/31/2018</a:t>
+              <a:t>2/4/2018</a:t>
             </a:fld>
             <a:endParaRPr lang="en-US" dirty="0"/>
           </a:p>
@@ -2120,7 +2120,7 @@
           <a:p>
             <a:fld id="{CDB9D11F-B188-461D-B23F-39381795C052}" type="datetimeFigureOut">
               <a:rPr lang="en-US" dirty="0"/>
-              <a:t>1/31/2018</a:t>
+              <a:t>2/4/2018</a:t>
             </a:fld>
             <a:endParaRPr lang="en-US" dirty="0"/>
           </a:p>
@@ -2683,7 +2683,7 @@
           <a:p>
             <a:fld id="{52E6D8D9-55A2-4063-B0F3-121F44549695}" type="datetimeFigureOut">
               <a:rPr lang="en-US" dirty="0"/>
-              <a:t>1/31/2018</a:t>
+              <a:t>2/4/2018</a:t>
             </a:fld>
             <a:endParaRPr lang="en-US" dirty="0"/>
           </a:p>
@@ -3359,7 +3359,7 @@
           <a:p>
             <a:fld id="{D4B24536-994D-4021-A283-9F449C0DB509}" type="datetimeFigureOut">
               <a:rPr lang="en-US" dirty="0"/>
-              <a:t>1/31/2018</a:t>
+              <a:t>2/4/2018</a:t>
             </a:fld>
             <a:endParaRPr lang="en-US" dirty="0"/>
           </a:p>
@@ -4267,7 +4267,7 @@
           <a:p>
             <a:fld id="{3CBBBB78-C96F-47B7-AB17-D852CA960AC9}" type="datetimeFigureOut">
               <a:rPr lang="en-US" dirty="0"/>
-              <a:t>1/31/2018</a:t>
+              <a:t>2/4/2018</a:t>
             </a:fld>
             <a:endParaRPr lang="en-US" dirty="0"/>
           </a:p>
@@ -4575,7 +4575,7 @@
           <a:p>
             <a:fld id="{1FA3F48C-C7C6-4055-9F49-3777875E72AE}" type="datetimeFigureOut">
               <a:rPr lang="en-US" dirty="0"/>
-              <a:t>1/31/2018</a:t>
+              <a:t>2/4/2018</a:t>
             </a:fld>
             <a:endParaRPr lang="en-US" dirty="0"/>
           </a:p>
@@ -4834,7 +4834,7 @@
           <a:p>
             <a:fld id="{6178E61D-D431-422C-9764-11DAFE33AB63}" type="datetimeFigureOut">
               <a:rPr lang="en-US" dirty="0"/>
-              <a:t>1/31/2018</a:t>
+              <a:t>2/4/2018</a:t>
             </a:fld>
             <a:endParaRPr lang="en-US" dirty="0"/>
           </a:p>
@@ -5153,7 +5153,7 @@
           <a:p>
             <a:fld id="{12DE42F4-6EEF-4EF7-8ED4-2208F0F89A08}" type="datetimeFigureOut">
               <a:rPr lang="en-US" dirty="0"/>
-              <a:t>1/31/2018</a:t>
+              <a:t>2/4/2018</a:t>
             </a:fld>
             <a:endParaRPr lang="en-US" dirty="0"/>
           </a:p>
@@ -5537,7 +5537,7 @@
           <a:p>
             <a:fld id="{30578ACC-22D6-47C1-A373-4FD133E34F3C}" type="datetimeFigureOut">
               <a:rPr lang="en-US" dirty="0"/>
-              <a:t>1/31/2018</a:t>
+              <a:t>2/4/2018</a:t>
             </a:fld>
             <a:endParaRPr lang="en-US" dirty="0"/>
           </a:p>
@@ -5908,7 +5908,7 @@
           <a:p>
             <a:fld id="{4E5A6C69-6797-4E8A-BF37-F2C3751466E9}" type="datetimeFigureOut">
               <a:rPr lang="en-US" dirty="0"/>
-              <a:t>1/31/2018</a:t>
+              <a:t>2/4/2018</a:t>
             </a:fld>
             <a:endParaRPr lang="en-US" dirty="0"/>
           </a:p>
@@ -6409,7 +6409,7 @@
           <a:p>
             <a:fld id="{D82014A1-A632-4878-A0D3-F52BA7563730}" type="datetimeFigureOut">
               <a:rPr lang="en-US" dirty="0"/>
-              <a:t>1/31/2018</a:t>
+              <a:t>2/4/2018</a:t>
             </a:fld>
             <a:endParaRPr lang="en-US" dirty="0"/>
           </a:p>
@@ -6661,7 +6661,7 @@
           <a:p>
             <a:fld id="{CE99F462-093F-4566-844B-4C71F2739DA5}" type="datetimeFigureOut">
               <a:rPr lang="en-US" dirty="0"/>
-              <a:t>1/31/2018</a:t>
+              <a:t>2/4/2018</a:t>
             </a:fld>
             <a:endParaRPr lang="en-US" dirty="0"/>
           </a:p>
@@ -6819,7 +6819,7 @@
           <a:p>
             <a:fld id="{3D24A7AC-904D-4781-85BA-7D10C17ED021}" type="datetimeFigureOut">
               <a:rPr lang="en-US" dirty="0"/>
-              <a:t>1/31/2018</a:t>
+              <a:t>2/4/2018</a:t>
             </a:fld>
             <a:endParaRPr lang="en-US" dirty="0"/>
           </a:p>
@@ -7204,7 +7204,7 @@
           <a:p>
             <a:fld id="{E331444B-B92B-4E27-8C94-BB93EAF5CB18}" type="datetimeFigureOut">
               <a:rPr lang="en-US" dirty="0"/>
-              <a:t>1/31/2018</a:t>
+              <a:t>2/4/2018</a:t>
             </a:fld>
             <a:endParaRPr lang="en-US" dirty="0"/>
           </a:p>
@@ -7608,7 +7608,7 @@
           <a:p>
             <a:fld id="{363EFA5E-FA76-400D-B3DC-F0BA90E6D107}" type="datetimeFigureOut">
               <a:rPr lang="en-US" dirty="0"/>
-              <a:t>1/31/2018</a:t>
+              <a:t>2/4/2018</a:t>
             </a:fld>
             <a:endParaRPr lang="en-US" dirty="0"/>
           </a:p>
@@ -7847,7 +7847,7 @@
           <a:p>
             <a:fld id="{9D6E9DEC-419B-4CC5-A080-3B06BD5A8291}" type="datetimeFigureOut">
               <a:rPr lang="en-US" dirty="0"/>
-              <a:t>1/31/2018</a:t>
+              <a:t>2/4/2018</a:t>
             </a:fld>
             <a:endParaRPr lang="en-US" dirty="0"/>
           </a:p>
@@ -9054,7 +9054,7 @@
           <a:p>
             <a:r>
               <a:rPr lang="fr-FR" dirty="0"/>
-              <a:t>Livraison : 05/02/2016</a:t>
+              <a:t>Livraison : 05/02/2018</a:t>
             </a:r>
           </a:p>
           <a:p>
@@ -10048,7 +10048,7 @@
           <a:p>
             <a:r>
               <a:rPr lang="fr-FR" dirty="0"/>
-              <a:t>http://IP:PORT/Resultat/VoteU/ID</a:t>
+              <a:t>http://IP:PORT/Home/Vote/ID</a:t>
             </a:r>
           </a:p>
         </p:txBody>

--- a/DossierPresentation/Présentation.pptx
+++ b/DossierPresentation/Présentation.pptx
@@ -136,10 +136,6 @@
 </p:cmAuthorLst>
 </file>
 
-<file path=ppt/revisionInfo.xml><?xml version="1.0" encoding="utf-8"?>
-<p1510:revInfo xmlns:a="http://schemas.openxmlformats.org/drawingml/2006/main" xmlns:r="http://schemas.openxmlformats.org/officeDocument/2006/relationships" xmlns:p1510="http://schemas.microsoft.com/office/powerpoint/2015/10/main"/>
-</file>
-
 <file path=ppt/notesMasters/notesMaster1.xml><?xml version="1.0" encoding="utf-8"?>
 <p:notesMaster xmlns:a="http://schemas.openxmlformats.org/drawingml/2006/main" xmlns:r="http://schemas.openxmlformats.org/officeDocument/2006/relationships" xmlns:p="http://schemas.openxmlformats.org/presentationml/2006/main">
   <p:cSld>
@@ -222,7 +218,7 @@
           <a:p>
             <a:fld id="{D8D6469D-CF2E-4753-807F-FBDEC5526CB0}" type="datetimeFigureOut">
               <a:rPr lang="fr-FR" smtClean="0"/>
-              <a:t>04/02/2018</a:t>
+              <a:t>05/02/2018</a:t>
             </a:fld>
             <a:endParaRPr lang="fr-FR"/>
           </a:p>
@@ -666,6 +662,65 @@
             </a:r>
           </a:p>
           <a:p>
+            <a:pPr marL="0" marR="0" lvl="0" indent="0" algn="l" defTabSz="914400" rtl="0" eaLnBrk="1" fontAlgn="auto" latinLnBrk="0" hangingPunct="1">
+              <a:lnSpc>
+                <a:spcPct val="100000"/>
+              </a:lnSpc>
+              <a:spcBef>
+                <a:spcPts val="0"/>
+              </a:spcBef>
+              <a:spcAft>
+                <a:spcPts val="0"/>
+              </a:spcAft>
+              <a:buClrTx/>
+              <a:buSzTx/>
+              <a:buFontTx/>
+              <a:buNone/>
+              <a:tabLst/>
+              <a:defRPr/>
+            </a:pPr>
+            <a:r>
+              <a:rPr lang="fr-FR" b="0" dirty="0">
+                <a:solidFill>
+                  <a:schemeClr val="bg1"/>
+                </a:solidFill>
+              </a:rPr>
+              <a:t>Lambda expression utilisé pour supprimer les lignes qui sont vides quand on crée le sondage (</a:t>
+            </a:r>
+            <a:r>
+              <a:rPr lang="fr-FR" b="0" dirty="0" err="1">
+                <a:solidFill>
+                  <a:schemeClr val="bg1"/>
+                </a:solidFill>
+              </a:rPr>
+              <a:t>submit</a:t>
+            </a:r>
+            <a:r>
+              <a:rPr lang="fr-FR" b="0" dirty="0">
+                <a:solidFill>
+                  <a:schemeClr val="bg1"/>
+                </a:solidFill>
+              </a:rPr>
+              <a:t>) Impossible de faire le </a:t>
+            </a:r>
+            <a:r>
+              <a:rPr lang="fr-FR" b="0" dirty="0" err="1">
+                <a:solidFill>
+                  <a:schemeClr val="bg1"/>
+                </a:solidFill>
+              </a:rPr>
+              <a:t>foreach</a:t>
+            </a:r>
+            <a:r>
+              <a:rPr lang="fr-FR" b="0" dirty="0">
+                <a:solidFill>
+                  <a:schemeClr val="bg1"/>
+                </a:solidFill>
+              </a:rPr>
+              <a:t> pour supprimer les vides sur la liste du HTML</a:t>
+            </a:r>
+          </a:p>
+          <a:p>
             <a:endParaRPr lang="fr-FR" dirty="0"/>
           </a:p>
         </p:txBody>
@@ -980,7 +1035,7 @@
           <a:p>
             <a:fld id="{78ABE3C1-DBE1-495D-B57B-2849774B866A}" type="datetimeFigureOut">
               <a:rPr lang="en-US" dirty="0"/>
-              <a:t>2/4/2018</a:t>
+              <a:t>2/5/2018</a:t>
             </a:fld>
             <a:endParaRPr lang="en-US" dirty="0"/>
           </a:p>
@@ -1389,7 +1444,7 @@
           <a:p>
             <a:fld id="{446C117F-5CCF-4837-BE5F-2B92066CAFAF}" type="datetimeFigureOut">
               <a:rPr lang="en-US" dirty="0"/>
-              <a:t>2/4/2018</a:t>
+              <a:t>2/5/2018</a:t>
             </a:fld>
             <a:endParaRPr lang="en-US" dirty="0"/>
           </a:p>
@@ -1720,7 +1775,7 @@
           <a:p>
             <a:fld id="{84EB90BD-B6CE-46B7-997F-7313B992CCDC}" type="datetimeFigureOut">
               <a:rPr lang="en-US" dirty="0"/>
-              <a:t>2/4/2018</a:t>
+              <a:t>2/5/2018</a:t>
             </a:fld>
             <a:endParaRPr lang="en-US" dirty="0"/>
           </a:p>
@@ -2120,7 +2175,7 @@
           <a:p>
             <a:fld id="{CDB9D11F-B188-461D-B23F-39381795C052}" type="datetimeFigureOut">
               <a:rPr lang="en-US" dirty="0"/>
-              <a:t>2/4/2018</a:t>
+              <a:t>2/5/2018</a:t>
             </a:fld>
             <a:endParaRPr lang="en-US" dirty="0"/>
           </a:p>
@@ -2683,7 +2738,7 @@
           <a:p>
             <a:fld id="{52E6D8D9-55A2-4063-B0F3-121F44549695}" type="datetimeFigureOut">
               <a:rPr lang="en-US" dirty="0"/>
-              <a:t>2/4/2018</a:t>
+              <a:t>2/5/2018</a:t>
             </a:fld>
             <a:endParaRPr lang="en-US" dirty="0"/>
           </a:p>
@@ -3359,7 +3414,7 @@
           <a:p>
             <a:fld id="{D4B24536-994D-4021-A283-9F449C0DB509}" type="datetimeFigureOut">
               <a:rPr lang="en-US" dirty="0"/>
-              <a:t>2/4/2018</a:t>
+              <a:t>2/5/2018</a:t>
             </a:fld>
             <a:endParaRPr lang="en-US" dirty="0"/>
           </a:p>
@@ -4267,7 +4322,7 @@
           <a:p>
             <a:fld id="{3CBBBB78-C96F-47B7-AB17-D852CA960AC9}" type="datetimeFigureOut">
               <a:rPr lang="en-US" dirty="0"/>
-              <a:t>2/4/2018</a:t>
+              <a:t>2/5/2018</a:t>
             </a:fld>
             <a:endParaRPr lang="en-US" dirty="0"/>
           </a:p>
@@ -4575,7 +4630,7 @@
           <a:p>
             <a:fld id="{1FA3F48C-C7C6-4055-9F49-3777875E72AE}" type="datetimeFigureOut">
               <a:rPr lang="en-US" dirty="0"/>
-              <a:t>2/4/2018</a:t>
+              <a:t>2/5/2018</a:t>
             </a:fld>
             <a:endParaRPr lang="en-US" dirty="0"/>
           </a:p>
@@ -4834,7 +4889,7 @@
           <a:p>
             <a:fld id="{6178E61D-D431-422C-9764-11DAFE33AB63}" type="datetimeFigureOut">
               <a:rPr lang="en-US" dirty="0"/>
-              <a:t>2/4/2018</a:t>
+              <a:t>2/5/2018</a:t>
             </a:fld>
             <a:endParaRPr lang="en-US" dirty="0"/>
           </a:p>
@@ -5153,7 +5208,7 @@
           <a:p>
             <a:fld id="{12DE42F4-6EEF-4EF7-8ED4-2208F0F89A08}" type="datetimeFigureOut">
               <a:rPr lang="en-US" dirty="0"/>
-              <a:t>2/4/2018</a:t>
+              <a:t>2/5/2018</a:t>
             </a:fld>
             <a:endParaRPr lang="en-US" dirty="0"/>
           </a:p>
@@ -5537,7 +5592,7 @@
           <a:p>
             <a:fld id="{30578ACC-22D6-47C1-A373-4FD133E34F3C}" type="datetimeFigureOut">
               <a:rPr lang="en-US" dirty="0"/>
-              <a:t>2/4/2018</a:t>
+              <a:t>2/5/2018</a:t>
             </a:fld>
             <a:endParaRPr lang="en-US" dirty="0"/>
           </a:p>
@@ -5908,7 +5963,7 @@
           <a:p>
             <a:fld id="{4E5A6C69-6797-4E8A-BF37-F2C3751466E9}" type="datetimeFigureOut">
               <a:rPr lang="en-US" dirty="0"/>
-              <a:t>2/4/2018</a:t>
+              <a:t>2/5/2018</a:t>
             </a:fld>
             <a:endParaRPr lang="en-US" dirty="0"/>
           </a:p>
@@ -6409,7 +6464,7 @@
           <a:p>
             <a:fld id="{D82014A1-A632-4878-A0D3-F52BA7563730}" type="datetimeFigureOut">
               <a:rPr lang="en-US" dirty="0"/>
-              <a:t>2/4/2018</a:t>
+              <a:t>2/5/2018</a:t>
             </a:fld>
             <a:endParaRPr lang="en-US" dirty="0"/>
           </a:p>
@@ -6661,7 +6716,7 @@
           <a:p>
             <a:fld id="{CE99F462-093F-4566-844B-4C71F2739DA5}" type="datetimeFigureOut">
               <a:rPr lang="en-US" dirty="0"/>
-              <a:t>2/4/2018</a:t>
+              <a:t>2/5/2018</a:t>
             </a:fld>
             <a:endParaRPr lang="en-US" dirty="0"/>
           </a:p>
@@ -6819,7 +6874,7 @@
           <a:p>
             <a:fld id="{3D24A7AC-904D-4781-85BA-7D10C17ED021}" type="datetimeFigureOut">
               <a:rPr lang="en-US" dirty="0"/>
-              <a:t>2/4/2018</a:t>
+              <a:t>2/5/2018</a:t>
             </a:fld>
             <a:endParaRPr lang="en-US" dirty="0"/>
           </a:p>
@@ -7204,7 +7259,7 @@
           <a:p>
             <a:fld id="{E331444B-B92B-4E27-8C94-BB93EAF5CB18}" type="datetimeFigureOut">
               <a:rPr lang="en-US" dirty="0"/>
-              <a:t>2/4/2018</a:t>
+              <a:t>2/5/2018</a:t>
             </a:fld>
             <a:endParaRPr lang="en-US" dirty="0"/>
           </a:p>
@@ -7608,7 +7663,7 @@
           <a:p>
             <a:fld id="{363EFA5E-FA76-400D-B3DC-F0BA90E6D107}" type="datetimeFigureOut">
               <a:rPr lang="en-US" dirty="0"/>
-              <a:t>2/4/2018</a:t>
+              <a:t>2/5/2018</a:t>
             </a:fld>
             <a:endParaRPr lang="en-US" dirty="0"/>
           </a:p>
@@ -7847,7 +7902,7 @@
           <a:p>
             <a:fld id="{9D6E9DEC-419B-4CC5-A080-3B06BD5A8291}" type="datetimeFigureOut">
               <a:rPr lang="en-US" dirty="0"/>
-              <a:t>2/4/2018</a:t>
+              <a:t>2/5/2018</a:t>
             </a:fld>
             <a:endParaRPr lang="en-US" dirty="0"/>
           </a:p>
@@ -9925,9 +9980,12 @@
           </a:p>
           <a:p>
             <a:r>
-              <a:rPr lang="fr-FR" dirty="0"/>
-              <a:t>http://IP:PORT/</a:t>
-            </a:r>
+              <a:rPr lang="fr-FR" sz="3200" dirty="0">
+                <a:hlinkClick r:id="rId2"/>
+              </a:rPr>
+              <a:t>http://172.19.240.5:12231</a:t>
+            </a:r>
+            <a:endParaRPr lang="fr-FR" sz="3200" dirty="0"/>
           </a:p>
         </p:txBody>
       </p:sp>
@@ -9946,7 +10004,7 @@
           <p:nvPr/>
         </p:nvPicPr>
         <p:blipFill>
-          <a:blip r:embed="rId2"/>
+          <a:blip r:embed="rId3"/>
           <a:stretch>
             <a:fillRect/>
           </a:stretch>
@@ -10041,15 +10099,18 @@
           <a:lstStyle/>
           <a:p>
             <a:r>
-              <a:rPr lang="fr-FR" dirty="0"/>
+              <a:rPr lang="fr-FR" sz="3200" dirty="0"/>
               <a:t>A VOUS DE JOUER</a:t>
             </a:r>
           </a:p>
           <a:p>
             <a:r>
-              <a:rPr lang="fr-FR" dirty="0"/>
-              <a:t>http://IP:PORT/Home/Vote/ID</a:t>
-            </a:r>
+              <a:rPr lang="fr-FR" sz="3200" dirty="0">
+                <a:hlinkClick r:id="rId2"/>
+              </a:rPr>
+              <a:t>http://172.19.240.5:12231/Home/Vote/ID</a:t>
+            </a:r>
+            <a:endParaRPr lang="fr-FR" sz="3200" dirty="0"/>
           </a:p>
         </p:txBody>
       </p:sp>
@@ -10068,7 +10129,7 @@
           <p:nvPr/>
         </p:nvPicPr>
         <p:blipFill>
-          <a:blip r:embed="rId2"/>
+          <a:blip r:embed="rId3"/>
           <a:stretch>
             <a:fillRect/>
           </a:stretch>
@@ -10425,7 +10486,7 @@
         <p:spPr/>
         <p:txBody>
           <a:bodyPr>
-            <a:normAutofit lnSpcReduction="10000"/>
+            <a:normAutofit/>
           </a:bodyPr>
           <a:lstStyle/>
           <a:p>
@@ -10438,35 +10499,7 @@
             <a:pPr lvl="1"/>
             <a:r>
               <a:rPr lang="fr-FR" dirty="0"/>
-              <a:t>Avoir plusieurs contrôleurs</a:t>
-            </a:r>
-          </a:p>
-          <a:p>
-            <a:pPr lvl="2"/>
-            <a:r>
-              <a:rPr lang="fr-FR" dirty="0"/>
-              <a:t>Vote</a:t>
-            </a:r>
-          </a:p>
-          <a:p>
-            <a:pPr lvl="2"/>
-            <a:r>
-              <a:rPr lang="fr-FR" dirty="0"/>
-              <a:t>Résultat</a:t>
-            </a:r>
-          </a:p>
-          <a:p>
-            <a:pPr lvl="1"/>
-            <a:r>
-              <a:rPr lang="fr-FR" dirty="0"/>
               <a:t>Avoir plus de méthodes</a:t>
-            </a:r>
-          </a:p>
-          <a:p>
-            <a:pPr lvl="2"/>
-            <a:r>
-              <a:rPr lang="fr-FR" dirty="0"/>
-              <a:t>Exemple</a:t>
             </a:r>
           </a:p>
           <a:p>

--- a/DossierPresentation/Présentation.pptx
+++ b/DossierPresentation/Présentation.pptx
@@ -580,6 +580,106 @@
 </file>
 
 <file path=ppt/notesSlides/notesSlide2.xml><?xml version="1.0" encoding="utf-8"?>
+<p:notes xmlns:a="http://schemas.openxmlformats.org/drawingml/2006/main" xmlns:r="http://schemas.openxmlformats.org/officeDocument/2006/relationships" xmlns:p="http://schemas.openxmlformats.org/presentationml/2006/main">
+  <p:cSld>
+    <p:spTree>
+      <p:nvGrpSpPr>
+        <p:cNvPr id="1" name=""/>
+        <p:cNvGrpSpPr/>
+        <p:nvPr/>
+      </p:nvGrpSpPr>
+      <p:grpSpPr>
+        <a:xfrm>
+          <a:off x="0" y="0"/>
+          <a:ext cx="0" cy="0"/>
+          <a:chOff x="0" y="0"/>
+          <a:chExt cx="0" cy="0"/>
+        </a:xfrm>
+      </p:grpSpPr>
+      <p:sp>
+        <p:nvSpPr>
+          <p:cNvPr id="2" name="Espace réservé de l'image des diapositives 1"/>
+          <p:cNvSpPr>
+            <a:spLocks noGrp="1" noRot="1" noChangeAspect="1"/>
+          </p:cNvSpPr>
+          <p:nvPr>
+            <p:ph type="sldImg"/>
+          </p:nvPr>
+        </p:nvSpPr>
+        <p:spPr/>
+      </p:sp>
+      <p:sp>
+        <p:nvSpPr>
+          <p:cNvPr id="3" name="Espace réservé des notes 2"/>
+          <p:cNvSpPr>
+            <a:spLocks noGrp="1"/>
+          </p:cNvSpPr>
+          <p:nvPr>
+            <p:ph type="body" idx="1"/>
+          </p:nvPr>
+        </p:nvSpPr>
+        <p:spPr/>
+        <p:txBody>
+          <a:bodyPr/>
+          <a:lstStyle/>
+          <a:p>
+            <a:r>
+              <a:rPr lang="fr-FR" dirty="0"/>
+              <a:t>Utilisation de Bootstrap</a:t>
+            </a:r>
+          </a:p>
+          <a:p>
+            <a:r>
+              <a:rPr lang="fr-FR" dirty="0"/>
+              <a:t>Le but était de ne pas utiliser de JavaScript même pour </a:t>
+            </a:r>
+            <a:r>
+              <a:rPr lang="fr-FR"/>
+              <a:t>les graphiques !</a:t>
+            </a:r>
+          </a:p>
+          <a:p>
+            <a:endParaRPr lang="fr-FR"/>
+          </a:p>
+        </p:txBody>
+      </p:sp>
+      <p:sp>
+        <p:nvSpPr>
+          <p:cNvPr id="4" name="Espace réservé du numéro de diapositive 3"/>
+          <p:cNvSpPr>
+            <a:spLocks noGrp="1"/>
+          </p:cNvSpPr>
+          <p:nvPr>
+            <p:ph type="sldNum" sz="quarter" idx="10"/>
+          </p:nvPr>
+        </p:nvSpPr>
+        <p:spPr/>
+        <p:txBody>
+          <a:bodyPr/>
+          <a:lstStyle/>
+          <a:p>
+            <a:fld id="{FEC1F84F-F75E-4375-BED7-FD648C2F3F01}" type="slidenum">
+              <a:rPr lang="fr-FR" smtClean="0"/>
+              <a:t>5</a:t>
+            </a:fld>
+            <a:endParaRPr lang="fr-FR"/>
+          </a:p>
+        </p:txBody>
+      </p:sp>
+    </p:spTree>
+    <p:extLst>
+      <p:ext uri="{BB962C8B-B14F-4D97-AF65-F5344CB8AC3E}">
+        <p14:creationId xmlns:p14="http://schemas.microsoft.com/office/powerpoint/2010/main" val="4062700321"/>
+      </p:ext>
+    </p:extLst>
+  </p:cSld>
+  <p:clrMapOvr>
+    <a:masterClrMapping/>
+  </p:clrMapOvr>
+</p:notes>
+</file>
+
+<file path=ppt/notesSlides/notesSlide3.xml><?xml version="1.0" encoding="utf-8"?>
 <p:notes xmlns:a="http://schemas.openxmlformats.org/drawingml/2006/main" xmlns:r="http://schemas.openxmlformats.org/officeDocument/2006/relationships" xmlns:p="http://schemas.openxmlformats.org/presentationml/2006/main">
   <p:cSld>
     <p:spTree>
@@ -9759,7 +9859,7 @@
           <p:nvPr/>
         </p:nvPicPr>
         <p:blipFill>
-          <a:blip r:embed="rId2"/>
+          <a:blip r:embed="rId3"/>
           <a:stretch>
             <a:fillRect/>
           </a:stretch>
@@ -9789,7 +9889,7 @@
           <p:nvPr/>
         </p:nvPicPr>
         <p:blipFill>
-          <a:blip r:embed="rId3"/>
+          <a:blip r:embed="rId4"/>
           <a:stretch>
             <a:fillRect/>
           </a:stretch>
@@ -9819,7 +9919,7 @@
           <p:nvPr/>
         </p:nvPicPr>
         <p:blipFill>
-          <a:blip r:embed="rId4"/>
+          <a:blip r:embed="rId5"/>
           <a:stretch>
             <a:fillRect/>
           </a:stretch>
@@ -9849,7 +9949,7 @@
           <p:nvPr/>
         </p:nvPicPr>
         <p:blipFill>
-          <a:blip r:embed="rId5"/>
+          <a:blip r:embed="rId6"/>
           <a:stretch>
             <a:fillRect/>
           </a:stretch>
@@ -9879,7 +9979,7 @@
           <p:nvPr/>
         </p:nvPicPr>
         <p:blipFill>
-          <a:blip r:embed="rId6"/>
+          <a:blip r:embed="rId7"/>
           <a:stretch>
             <a:fillRect/>
           </a:stretch>
@@ -9974,7 +10074,7 @@
           <a:lstStyle/>
           <a:p>
             <a:r>
-              <a:rPr lang="fr-FR" dirty="0"/>
+              <a:rPr lang="fr-FR" sz="3200" dirty="0"/>
               <a:t>Lien vers le site</a:t>
             </a:r>
           </a:p>
@@ -10352,25 +10452,25 @@
           <a:lstStyle/>
           <a:p>
             <a:r>
-              <a:rPr lang="fr-FR" dirty="0"/>
+              <a:rPr lang="fr-FR" sz="2000" dirty="0"/>
               <a:t>Gestion du formulaire HTML</a:t>
             </a:r>
           </a:p>
           <a:p>
             <a:r>
-              <a:rPr lang="fr-FR" dirty="0"/>
+              <a:rPr lang="fr-FR" sz="2000" dirty="0"/>
               <a:t>Actualisation SSMS</a:t>
             </a:r>
           </a:p>
           <a:p>
             <a:r>
-              <a:rPr lang="fr-FR" dirty="0"/>
+              <a:rPr lang="fr-FR" sz="2000" dirty="0"/>
               <a:t>Pas d’utilisation JAVASCRIPT</a:t>
             </a:r>
           </a:p>
           <a:p>
             <a:r>
-              <a:rPr lang="fr-FR" dirty="0"/>
+              <a:rPr lang="fr-FR" sz="2000" dirty="0"/>
               <a:t>Nommages standardisés des variables et méthodes </a:t>
             </a:r>
           </a:p>
